--- a/Presentation/Interview Presentation.pptx
+++ b/Presentation/Interview Presentation.pptx
@@ -9,11 +9,12 @@
     <p:sldId id="257" r:id="rId3"/>
     <p:sldId id="258" r:id="rId4"/>
     <p:sldId id="264" r:id="rId5"/>
-    <p:sldId id="259" r:id="rId6"/>
-    <p:sldId id="260" r:id="rId7"/>
-    <p:sldId id="263" r:id="rId8"/>
-    <p:sldId id="261" r:id="rId9"/>
-    <p:sldId id="262" r:id="rId10"/>
+    <p:sldId id="265" r:id="rId6"/>
+    <p:sldId id="259" r:id="rId7"/>
+    <p:sldId id="260" r:id="rId8"/>
+    <p:sldId id="263" r:id="rId9"/>
+    <p:sldId id="261" r:id="rId10"/>
+    <p:sldId id="262" r:id="rId11"/>
   </p:sldIdLst>
   <p:sldSz cx="12192000" cy="6858000"/>
   <p:notesSz cx="6858000" cy="9144000"/>
@@ -409,7 +410,7 @@
           <a:p>
             <a:fld id="{5135B102-9C77-EF42-8EF4-CCC12F7C03AD}" type="datetimeFigureOut">
               <a:rPr lang="en-US" smtClean="0"/>
-              <a:t>11/28/2019</a:t>
+              <a:t>12/2/2019</a:t>
             </a:fld>
             <a:endParaRPr lang="en-US"/>
           </a:p>
@@ -684,7 +685,7 @@
           <a:p>
             <a:fld id="{5135B102-9C77-EF42-8EF4-CCC12F7C03AD}" type="datetimeFigureOut">
               <a:rPr lang="en-US" smtClean="0"/>
-              <a:t>11/28/2019</a:t>
+              <a:t>12/2/2019</a:t>
             </a:fld>
             <a:endParaRPr lang="en-US"/>
           </a:p>
@@ -949,7 +950,7 @@
           <a:p>
             <a:fld id="{5135B102-9C77-EF42-8EF4-CCC12F7C03AD}" type="datetimeFigureOut">
               <a:rPr lang="en-US" smtClean="0"/>
-              <a:t>11/28/2019</a:t>
+              <a:t>12/2/2019</a:t>
             </a:fld>
             <a:endParaRPr lang="en-US"/>
           </a:p>
@@ -1090,7 +1091,7 @@
           <a:p>
             <a:fld id="{5135B102-9C77-EF42-8EF4-CCC12F7C03AD}" type="datetimeFigureOut">
               <a:rPr lang="en-US" smtClean="0"/>
-              <a:t>11/28/2019</a:t>
+              <a:t>12/2/2019</a:t>
             </a:fld>
             <a:endParaRPr lang="en-US"/>
           </a:p>
@@ -1203,7 +1204,7 @@
           <a:p>
             <a:fld id="{5135B102-9C77-EF42-8EF4-CCC12F7C03AD}" type="datetimeFigureOut">
               <a:rPr lang="en-US" smtClean="0"/>
-              <a:t>11/28/2019</a:t>
+              <a:t>12/2/2019</a:t>
             </a:fld>
             <a:endParaRPr lang="en-US"/>
           </a:p>
@@ -1578,7 +1579,7 @@
           <a:p>
             <a:fld id="{5135B102-9C77-EF42-8EF4-CCC12F7C03AD}" type="datetimeFigureOut">
               <a:rPr lang="en-US" smtClean="0"/>
-              <a:t>11/28/2019</a:t>
+              <a:t>12/2/2019</a:t>
             </a:fld>
             <a:endParaRPr lang="en-US"/>
           </a:p>
@@ -2009,20 +2010,13 @@
         <p:spPr/>
         <p:txBody>
           <a:bodyPr>
-            <a:normAutofit fontScale="90000"/>
+            <a:normAutofit/>
           </a:bodyPr>
           <a:lstStyle/>
           <a:p>
             <a:r>
               <a:rPr lang="en-GB" dirty="0"/>
-              <a:t>Learning shortest path tours to all</a:t>
-            </a:r>
-            <a:br>
-              <a:rPr lang="en-GB" dirty="0"/>
-            </a:br>
-            <a:r>
-              <a:rPr lang="en-GB" dirty="0"/>
-              <a:t>pubs in UK</a:t>
+              <a:t>Learning shortest path tours to all pubs in UK</a:t>
             </a:r>
             <a:endParaRPr lang="en-US" sz="5800" dirty="0"/>
           </a:p>
@@ -2089,6 +2083,115 @@
     <p:extLst>
       <p:ext uri="{BB962C8B-B14F-4D97-AF65-F5344CB8AC3E}">
         <p14:creationId xmlns:p14="http://schemas.microsoft.com/office/powerpoint/2010/main" val="950657277"/>
+      </p:ext>
+    </p:extLst>
+  </p:cSld>
+  <p:clrMapOvr>
+    <a:masterClrMapping/>
+  </p:clrMapOvr>
+</p:sld>
+</file>
+
+<file path=ppt/slides/slide10.xml><?xml version="1.0" encoding="utf-8"?>
+<p:sld xmlns:a="http://schemas.openxmlformats.org/drawingml/2006/main" xmlns:r="http://schemas.openxmlformats.org/officeDocument/2006/relationships" xmlns:p="http://schemas.openxmlformats.org/presentationml/2006/main">
+  <p:cSld>
+    <p:bg>
+      <p:bgPr>
+        <a:solidFill>
+          <a:schemeClr val="bg1"/>
+        </a:solidFill>
+        <a:effectLst/>
+      </p:bgPr>
+    </p:bg>
+    <p:spTree>
+      <p:nvGrpSpPr>
+        <p:cNvPr id="1" name=""/>
+        <p:cNvGrpSpPr/>
+        <p:nvPr/>
+      </p:nvGrpSpPr>
+      <p:grpSpPr>
+        <a:xfrm>
+          <a:off x="0" y="0"/>
+          <a:ext cx="0" cy="0"/>
+          <a:chOff x="0" y="0"/>
+          <a:chExt cx="0" cy="0"/>
+        </a:xfrm>
+      </p:grpSpPr>
+      <p:sp>
+        <p:nvSpPr>
+          <p:cNvPr id="2" name="Title 1">
+            <a:extLst>
+              <a:ext uri="{FF2B5EF4-FFF2-40B4-BE49-F238E27FC236}">
+                <a16:creationId xmlns:a16="http://schemas.microsoft.com/office/drawing/2014/main" id="{15D4520C-A3F8-48F8-8B02-F107F579794C}"/>
+              </a:ext>
+            </a:extLst>
+          </p:cNvPr>
+          <p:cNvSpPr>
+            <a:spLocks noGrp="1"/>
+          </p:cNvSpPr>
+          <p:nvPr>
+            <p:ph type="title"/>
+          </p:nvPr>
+        </p:nvSpPr>
+        <p:spPr>
+          <a:xfrm>
+            <a:off x="430924" y="365125"/>
+            <a:ext cx="11340662" cy="1325563"/>
+          </a:xfrm>
+          <a:prstGeom prst="rect">
+            <a:avLst/>
+          </a:prstGeom>
+        </p:spPr>
+        <p:txBody>
+          <a:bodyPr anchor="ctr">
+            <a:normAutofit/>
+          </a:bodyPr>
+          <a:lstStyle/>
+          <a:p>
+            <a:r>
+              <a:rPr lang="en-GB" dirty="0"/>
+              <a:t>Timeline</a:t>
+            </a:r>
+          </a:p>
+        </p:txBody>
+      </p:sp>
+      <p:pic>
+        <p:nvPicPr>
+          <p:cNvPr id="7" name="Content Placeholder 6" descr="A screenshot of a cell phone&#10;&#10;Description automatically generated">
+            <a:extLst>
+              <a:ext uri="{FF2B5EF4-FFF2-40B4-BE49-F238E27FC236}">
+                <a16:creationId xmlns:a16="http://schemas.microsoft.com/office/drawing/2014/main" id="{3C7B80DD-4591-4ADC-A2AF-388EBA0D0A41}"/>
+              </a:ext>
+            </a:extLst>
+          </p:cNvPr>
+          <p:cNvPicPr>
+            <a:picLocks noGrp="1" noChangeAspect="1"/>
+          </p:cNvPicPr>
+          <p:nvPr>
+            <p:ph idx="1"/>
+          </p:nvPr>
+        </p:nvPicPr>
+        <p:blipFill>
+          <a:blip r:embed="rId2"/>
+          <a:stretch>
+            <a:fillRect/>
+          </a:stretch>
+        </p:blipFill>
+        <p:spPr>
+          <a:xfrm>
+            <a:off x="-188892" y="1520688"/>
+            <a:ext cx="12569783" cy="3990906"/>
+          </a:xfrm>
+          <a:prstGeom prst="rect">
+            <a:avLst/>
+          </a:prstGeom>
+          <a:noFill/>
+        </p:spPr>
+      </p:pic>
+    </p:spTree>
+    <p:extLst>
+      <p:ext uri="{BB962C8B-B14F-4D97-AF65-F5344CB8AC3E}">
+        <p14:creationId xmlns:p14="http://schemas.microsoft.com/office/powerpoint/2010/main" val="1361515383"/>
       </p:ext>
     </p:extLst>
   </p:cSld>
@@ -2172,7 +2275,7 @@
           <a:p>
             <a:r>
               <a:rPr lang="en-GB" dirty="0"/>
-              <a:t>NP-Hard</a:t>
+              <a:t>Typically these problems are NP-Hard.</a:t>
             </a:r>
           </a:p>
           <a:p>
@@ -2273,6 +2376,68 @@
           </a:p>
         </p:txBody>
       </p:sp>
+      <p:sp>
+        <p:nvSpPr>
+          <p:cNvPr id="12" name="Content Placeholder 2">
+            <a:extLst>
+              <a:ext uri="{FF2B5EF4-FFF2-40B4-BE49-F238E27FC236}">
+                <a16:creationId xmlns:a16="http://schemas.microsoft.com/office/drawing/2014/main" id="{6F7996BD-4338-4CB0-8A56-4EE97B0FD0FC}"/>
+              </a:ext>
+            </a:extLst>
+          </p:cNvPr>
+          <p:cNvSpPr>
+            <a:spLocks noGrp="1"/>
+          </p:cNvSpPr>
+          <p:nvPr>
+            <p:ph sz="half" idx="1"/>
+          </p:nvPr>
+        </p:nvSpPr>
+        <p:spPr>
+          <a:xfrm>
+            <a:off x="430924" y="1825625"/>
+            <a:ext cx="5588876" cy="3788366"/>
+          </a:xfrm>
+        </p:spPr>
+        <p:txBody>
+          <a:bodyPr>
+            <a:normAutofit lnSpcReduction="10000"/>
+          </a:bodyPr>
+          <a:lstStyle/>
+          <a:p>
+            <a:r>
+              <a:rPr lang="en-US" dirty="0"/>
+              <a:t>Given pairwise distances to each pub.</a:t>
+            </a:r>
+          </a:p>
+          <a:p>
+            <a:endParaRPr lang="en-US" dirty="0"/>
+          </a:p>
+          <a:p>
+            <a:r>
+              <a:rPr lang="en-US" dirty="0"/>
+              <a:t>Travel to every pub once.</a:t>
+            </a:r>
+          </a:p>
+          <a:p>
+            <a:endParaRPr lang="en-US" dirty="0"/>
+          </a:p>
+          <a:p>
+            <a:r>
+              <a:rPr lang="en-US" dirty="0"/>
+              <a:t>Return to the beginning.</a:t>
+            </a:r>
+          </a:p>
+          <a:p>
+            <a:endParaRPr lang="en-US" dirty="0"/>
+          </a:p>
+          <a:p>
+            <a:r>
+              <a:rPr lang="en-US" dirty="0"/>
+              <a:t>Minimize the distance travelled.</a:t>
+            </a:r>
+          </a:p>
+        </p:txBody>
+      </p:sp>
       <p:pic>
         <p:nvPicPr>
           <p:cNvPr id="7" name="Content Placeholder 6" descr="A close up of a map&#10;&#10;Description automatically generated">
@@ -2286,7 +2451,7 @@
             <a:picLocks noGrp="1" noChangeAspect="1"/>
           </p:cNvPicPr>
           <p:nvPr>
-            <p:ph idx="1"/>
+            <p:ph sz="half" idx="2"/>
           </p:nvPr>
         </p:nvPicPr>
         <p:blipFill>
@@ -2297,8 +2462,8 @@
         </p:blipFill>
         <p:spPr>
           <a:xfrm>
-            <a:off x="3535761" y="1825625"/>
-            <a:ext cx="5130987" cy="3771276"/>
+            <a:off x="6394773" y="1825625"/>
+            <a:ext cx="5154239" cy="3788366"/>
           </a:xfrm>
           <a:prstGeom prst="rect">
             <a:avLst/>
@@ -2384,10 +2549,10 @@
       </p:sp>
       <p:pic>
         <p:nvPicPr>
-          <p:cNvPr id="6" name="Content Placeholder 5" descr="A close up of a map&#10;&#10;Description automatically generated">
-            <a:extLst>
-              <a:ext uri="{FF2B5EF4-FFF2-40B4-BE49-F238E27FC236}">
-                <a16:creationId xmlns:a16="http://schemas.microsoft.com/office/drawing/2014/main" id="{37BB25B4-B0E1-40F4-BA0B-AC7BA2E24D41}"/>
+          <p:cNvPr id="7" name="Content Placeholder 6" descr="A close up of a map&#10;&#10;Description automatically generated">
+            <a:extLst>
+              <a:ext uri="{FF2B5EF4-FFF2-40B4-BE49-F238E27FC236}">
+                <a16:creationId xmlns:a16="http://schemas.microsoft.com/office/drawing/2014/main" id="{569599CD-EB70-4D8D-9570-7A3155891706}"/>
               </a:ext>
             </a:extLst>
           </p:cNvPr>
@@ -2427,6 +2592,14 @@
 <file path=ppt/slides/slide5.xml><?xml version="1.0" encoding="utf-8"?>
 <p:sld xmlns:a="http://schemas.openxmlformats.org/drawingml/2006/main" xmlns:r="http://schemas.openxmlformats.org/officeDocument/2006/relationships" xmlns:p="http://schemas.openxmlformats.org/presentationml/2006/main">
   <p:cSld>
+    <p:bg>
+      <p:bgPr>
+        <a:solidFill>
+          <a:schemeClr val="bg1"/>
+        </a:solidFill>
+        <a:effectLst/>
+      </p:bgPr>
+    </p:bg>
     <p:spTree>
       <p:nvGrpSpPr>
         <p:cNvPr id="1" name=""/>
@@ -2446,6 +2619,103 @@
           <p:cNvPr id="2" name="Title 1">
             <a:extLst>
               <a:ext uri="{FF2B5EF4-FFF2-40B4-BE49-F238E27FC236}">
+                <a16:creationId xmlns:a16="http://schemas.microsoft.com/office/drawing/2014/main" id="{DE62E3B4-AC85-4381-83F4-3A7C32D914A1}"/>
+              </a:ext>
+            </a:extLst>
+          </p:cNvPr>
+          <p:cNvSpPr>
+            <a:spLocks noGrp="1"/>
+          </p:cNvSpPr>
+          <p:nvPr>
+            <p:ph type="title"/>
+          </p:nvPr>
+        </p:nvSpPr>
+        <p:spPr>
+          <a:xfrm>
+            <a:off x="430924" y="365125"/>
+            <a:ext cx="11340662" cy="1325563"/>
+          </a:xfrm>
+          <a:prstGeom prst="rect">
+            <a:avLst/>
+          </a:prstGeom>
+        </p:spPr>
+        <p:txBody>
+          <a:bodyPr anchor="ctr">
+            <a:normAutofit/>
+          </a:bodyPr>
+          <a:lstStyle/>
+          <a:p>
+            <a:r>
+              <a:rPr lang="en-GB" dirty="0"/>
+              <a:t>Travelling Salesman Problem</a:t>
+            </a:r>
+          </a:p>
+        </p:txBody>
+      </p:sp>
+      <p:pic>
+        <p:nvPicPr>
+          <p:cNvPr id="6" name="Content Placeholder 5" descr="A close up of a map&#10;&#10;Description automatically generated">
+            <a:extLst>
+              <a:ext uri="{FF2B5EF4-FFF2-40B4-BE49-F238E27FC236}">
+                <a16:creationId xmlns:a16="http://schemas.microsoft.com/office/drawing/2014/main" id="{CA201634-C7D2-404E-B9BC-483FADBFA36F}"/>
+              </a:ext>
+            </a:extLst>
+          </p:cNvPr>
+          <p:cNvPicPr>
+            <a:picLocks noGrp="1" noChangeAspect="1"/>
+          </p:cNvPicPr>
+          <p:nvPr>
+            <p:ph idx="1"/>
+          </p:nvPr>
+        </p:nvPicPr>
+        <p:blipFill>
+          <a:blip r:embed="rId2"/>
+          <a:stretch>
+            <a:fillRect/>
+          </a:stretch>
+        </p:blipFill>
+        <p:spPr>
+          <a:xfrm>
+            <a:off x="3539138" y="1825625"/>
+            <a:ext cx="5123250" cy="3771900"/>
+          </a:xfrm>
+        </p:spPr>
+      </p:pic>
+    </p:spTree>
+    <p:extLst>
+      <p:ext uri="{BB962C8B-B14F-4D97-AF65-F5344CB8AC3E}">
+        <p14:creationId xmlns:p14="http://schemas.microsoft.com/office/powerpoint/2010/main" val="505582012"/>
+      </p:ext>
+    </p:extLst>
+  </p:cSld>
+  <p:clrMapOvr>
+    <a:masterClrMapping/>
+  </p:clrMapOvr>
+</p:sld>
+</file>
+
+<file path=ppt/slides/slide6.xml><?xml version="1.0" encoding="utf-8"?>
+<p:sld xmlns:a="http://schemas.openxmlformats.org/drawingml/2006/main" xmlns:r="http://schemas.openxmlformats.org/officeDocument/2006/relationships" xmlns:p="http://schemas.openxmlformats.org/presentationml/2006/main">
+  <p:cSld>
+    <p:spTree>
+      <p:nvGrpSpPr>
+        <p:cNvPr id="1" name=""/>
+        <p:cNvGrpSpPr/>
+        <p:nvPr/>
+      </p:nvGrpSpPr>
+      <p:grpSpPr>
+        <a:xfrm>
+          <a:off x="0" y="0"/>
+          <a:ext cx="0" cy="0"/>
+          <a:chOff x="0" y="0"/>
+          <a:chExt cx="0" cy="0"/>
+        </a:xfrm>
+      </p:grpSpPr>
+      <p:sp>
+        <p:nvSpPr>
+          <p:cNvPr id="2" name="Title 1">
+            <a:extLst>
+              <a:ext uri="{FF2B5EF4-FFF2-40B4-BE49-F238E27FC236}">
                 <a16:creationId xmlns:a16="http://schemas.microsoft.com/office/drawing/2014/main" id="{F505124E-8E98-4C29-B25D-DE2FE9CA3872}"/>
               </a:ext>
             </a:extLst>
@@ -2570,7 +2840,7 @@
 </p:sld>
 </file>
 
-<file path=ppt/slides/slide6.xml><?xml version="1.0" encoding="utf-8"?>
+<file path=ppt/slides/slide7.xml><?xml version="1.0" encoding="utf-8"?>
 <p:sld xmlns:a="http://schemas.openxmlformats.org/drawingml/2006/main" xmlns:r="http://schemas.openxmlformats.org/officeDocument/2006/relationships" xmlns:p="http://schemas.openxmlformats.org/presentationml/2006/main">
   <p:cSld>
     <p:bg>
@@ -2660,9 +2930,15 @@
         </p:spPr>
         <p:txBody>
           <a:bodyPr>
-            <a:normAutofit/>
+            <a:normAutofit lnSpcReduction="10000"/>
           </a:bodyPr>
           <a:lstStyle/>
+          <a:p>
+            <a:r>
+              <a:rPr lang="en-GB" dirty="0"/>
+              <a:t>Using simple classifiers (rule-based, linear classifiers).</a:t>
+            </a:r>
+          </a:p>
           <a:p>
             <a:r>
               <a:rPr lang="en-GB" dirty="0"/>
@@ -2674,7 +2950,7 @@
             </a:r>
             <a:r>
               <a:rPr lang="en-GB" dirty="0"/>
-              <a:t>if an edge is a part of the travelling salesman tour.</a:t>
+              <a:t>if an edge is not a part of the travelling salesman tour.</a:t>
             </a:r>
           </a:p>
           <a:p>
@@ -2686,7 +2962,7 @@
           <a:p>
             <a:r>
               <a:rPr lang="en-GB" dirty="0"/>
-              <a:t>Use approximation algorithm on a smaller dataset.</a:t>
+              <a:t>Use exact/approximation algorithm on a smaller dataset.</a:t>
             </a:r>
           </a:p>
         </p:txBody>
@@ -2733,140 +3009,6 @@
 </p:sld>
 </file>
 
-<file path=ppt/slides/slide7.xml><?xml version="1.0" encoding="utf-8"?>
-<p:sld xmlns:a="http://schemas.openxmlformats.org/drawingml/2006/main" xmlns:r="http://schemas.openxmlformats.org/officeDocument/2006/relationships" xmlns:p="http://schemas.openxmlformats.org/presentationml/2006/main">
-  <p:cSld>
-    <p:spTree>
-      <p:nvGrpSpPr>
-        <p:cNvPr id="1" name=""/>
-        <p:cNvGrpSpPr/>
-        <p:nvPr/>
-      </p:nvGrpSpPr>
-      <p:grpSpPr>
-        <a:xfrm>
-          <a:off x="0" y="0"/>
-          <a:ext cx="0" cy="0"/>
-          <a:chOff x="0" y="0"/>
-          <a:chExt cx="0" cy="0"/>
-        </a:xfrm>
-      </p:grpSpPr>
-      <p:sp>
-        <p:nvSpPr>
-          <p:cNvPr id="2" name="Title 1">
-            <a:extLst>
-              <a:ext uri="{FF2B5EF4-FFF2-40B4-BE49-F238E27FC236}">
-                <a16:creationId xmlns:a16="http://schemas.microsoft.com/office/drawing/2014/main" id="{50615139-5595-466E-8784-724EC40D3359}"/>
-              </a:ext>
-            </a:extLst>
-          </p:cNvPr>
-          <p:cNvSpPr>
-            <a:spLocks noGrp="1"/>
-          </p:cNvSpPr>
-          <p:nvPr>
-            <p:ph type="title"/>
-          </p:nvPr>
-        </p:nvSpPr>
-        <p:spPr/>
-        <p:txBody>
-          <a:bodyPr/>
-          <a:lstStyle/>
-          <a:p>
-            <a:r>
-              <a:rPr lang="en-GB" dirty="0"/>
-              <a:t>Outline of Approach (contd.)</a:t>
-            </a:r>
-          </a:p>
-        </p:txBody>
-      </p:sp>
-      <p:sp>
-        <p:nvSpPr>
-          <p:cNvPr id="3" name="Content Placeholder 2">
-            <a:extLst>
-              <a:ext uri="{FF2B5EF4-FFF2-40B4-BE49-F238E27FC236}">
-                <a16:creationId xmlns:a16="http://schemas.microsoft.com/office/drawing/2014/main" id="{7119883A-A3F3-4846-B51C-C89410034F34}"/>
-              </a:ext>
-            </a:extLst>
-          </p:cNvPr>
-          <p:cNvSpPr>
-            <a:spLocks noGrp="1"/>
-          </p:cNvSpPr>
-          <p:nvPr>
-            <p:ph idx="1"/>
-          </p:nvPr>
-        </p:nvSpPr>
-        <p:spPr/>
-        <p:txBody>
-          <a:bodyPr/>
-          <a:lstStyle/>
-          <a:p>
-            <a:r>
-              <a:rPr lang="en-GB" dirty="0"/>
-              <a:t>Features to describe an edge:</a:t>
-            </a:r>
-          </a:p>
-          <a:p>
-            <a:pPr lvl="1"/>
-            <a:r>
-              <a:rPr lang="en-GB" dirty="0"/>
-              <a:t>Ranking (</a:t>
-            </a:r>
-            <a:r>
-              <a:rPr lang="en-GB" dirty="0" err="1"/>
-              <a:t>wrt</a:t>
-            </a:r>
-            <a:r>
-              <a:rPr lang="en-GB" dirty="0"/>
-              <a:t>. both incident nodes)</a:t>
-            </a:r>
-          </a:p>
-          <a:p>
-            <a:pPr lvl="1"/>
-            <a:r>
-              <a:rPr lang="en-GB" dirty="0"/>
-              <a:t>Weight</a:t>
-            </a:r>
-          </a:p>
-          <a:p>
-            <a:pPr lvl="1"/>
-            <a:r>
-              <a:rPr lang="en-GB" dirty="0"/>
-              <a:t>Etc.</a:t>
-            </a:r>
-          </a:p>
-          <a:p>
-            <a:pPr lvl="1"/>
-            <a:endParaRPr lang="en-GB" dirty="0"/>
-          </a:p>
-          <a:p>
-            <a:r>
-              <a:rPr lang="en-GB" dirty="0"/>
-              <a:t>Early training will use Euclidian distance as the weight.</a:t>
-            </a:r>
-          </a:p>
-          <a:p>
-            <a:endParaRPr lang="en-GB" dirty="0"/>
-          </a:p>
-          <a:p>
-            <a:r>
-              <a:rPr lang="en-GB" dirty="0"/>
-              <a:t>Ground Truth will be gathered using the Concorde TSP Solver.</a:t>
-            </a:r>
-          </a:p>
-        </p:txBody>
-      </p:sp>
-    </p:spTree>
-    <p:extLst>
-      <p:ext uri="{BB962C8B-B14F-4D97-AF65-F5344CB8AC3E}">
-        <p14:creationId xmlns:p14="http://schemas.microsoft.com/office/powerpoint/2010/main" val="2493996793"/>
-      </p:ext>
-    </p:extLst>
-  </p:cSld>
-  <p:clrMapOvr>
-    <a:masterClrMapping/>
-  </p:clrMapOvr>
-</p:sld>
-</file>
-
 <file path=ppt/slides/slide8.xml><?xml version="1.0" encoding="utf-8"?>
 <p:sld xmlns:a="http://schemas.openxmlformats.org/drawingml/2006/main" xmlns:r="http://schemas.openxmlformats.org/officeDocument/2006/relationships" xmlns:p="http://schemas.openxmlformats.org/presentationml/2006/main">
   <p:cSld>
@@ -2889,7 +3031,7 @@
           <p:cNvPr id="2" name="Title 1">
             <a:extLst>
               <a:ext uri="{FF2B5EF4-FFF2-40B4-BE49-F238E27FC236}">
-                <a16:creationId xmlns:a16="http://schemas.microsoft.com/office/drawing/2014/main" id="{3F5DBBDC-3779-4989-9740-A201EEFB42EF}"/>
+                <a16:creationId xmlns:a16="http://schemas.microsoft.com/office/drawing/2014/main" id="{50615139-5595-466E-8784-724EC40D3359}"/>
               </a:ext>
             </a:extLst>
           </p:cNvPr>
@@ -2907,7 +3049,7 @@
           <a:p>
             <a:r>
               <a:rPr lang="en-GB" dirty="0"/>
-              <a:t>Data Collection</a:t>
+              <a:t>Outline of Approach (contd.)</a:t>
             </a:r>
           </a:p>
         </p:txBody>
@@ -2917,7 +3059,7 @@
           <p:cNvPr id="3" name="Content Placeholder 2">
             <a:extLst>
               <a:ext uri="{FF2B5EF4-FFF2-40B4-BE49-F238E27FC236}">
-                <a16:creationId xmlns:a16="http://schemas.microsoft.com/office/drawing/2014/main" id="{2ED81FEC-5C85-4104-8514-5D5E72477B52}"/>
+                <a16:creationId xmlns:a16="http://schemas.microsoft.com/office/drawing/2014/main" id="{7119883A-A3F3-4846-B51C-C89410034F34}"/>
               </a:ext>
             </a:extLst>
           </p:cNvPr>
@@ -2930,73 +3072,77 @@
         </p:nvSpPr>
         <p:spPr/>
         <p:txBody>
-          <a:bodyPr/>
-          <a:lstStyle/>
-          <a:p>
-            <a:r>
-              <a:rPr lang="en-GB" dirty="0"/>
-              <a:t>Data scraped from </a:t>
-            </a:r>
-            <a:r>
-              <a:rPr lang="en-GB" dirty="0">
-                <a:hlinkClick r:id="rId2"/>
-              </a:rPr>
-              <a:t>https://www.pubsgalore.co.uk/</a:t>
-            </a:r>
-            <a:r>
-              <a:rPr lang="en-GB" dirty="0"/>
-              <a:t>.</a:t>
-            </a:r>
-          </a:p>
-          <a:p>
-            <a:r>
-              <a:rPr lang="en-GB" dirty="0"/>
-              <a:t>Up-to-date list of pubs within the UK.</a:t>
-            </a:r>
-          </a:p>
-          <a:p>
-            <a:r>
-              <a:rPr lang="en-GB" dirty="0"/>
-              <a:t>Contains attributes such as:</a:t>
+          <a:bodyPr>
+            <a:normAutofit lnSpcReduction="10000"/>
+          </a:bodyPr>
+          <a:lstStyle/>
+          <a:p>
+            <a:r>
+              <a:rPr lang="en-GB" dirty="0"/>
+              <a:t>Features to describe an edge:</a:t>
             </a:r>
           </a:p>
           <a:p>
             <a:pPr lvl="1"/>
             <a:r>
               <a:rPr lang="en-GB" dirty="0"/>
-              <a:t>Name</a:t>
+              <a:t>Ranking (</a:t>
+            </a:r>
+            <a:r>
+              <a:rPr lang="en-GB" dirty="0" err="1"/>
+              <a:t>wrt</a:t>
+            </a:r>
+            <a:r>
+              <a:rPr lang="en-GB" dirty="0"/>
+              <a:t>. both incident nodes)</a:t>
             </a:r>
           </a:p>
           <a:p>
             <a:pPr lvl="1"/>
             <a:r>
               <a:rPr lang="en-GB" dirty="0"/>
-              <a:t>Location coordinates</a:t>
+              <a:t>Weight</a:t>
             </a:r>
           </a:p>
           <a:p>
             <a:pPr lvl="1"/>
             <a:r>
               <a:rPr lang="en-GB" dirty="0"/>
-              <a:t>Address</a:t>
-            </a:r>
-          </a:p>
-          <a:p>
-            <a:r>
-              <a:rPr lang="en-GB" dirty="0"/>
-              <a:t>70,000+ pubs on this website.</a:t>
+              <a:t>Global edge ranking</a:t>
+            </a:r>
+          </a:p>
+          <a:p>
+            <a:pPr lvl="1"/>
+            <a:r>
+              <a:rPr lang="en-GB" dirty="0"/>
+              <a:t>Edge statistics</a:t>
             </a:r>
           </a:p>
           <a:p>
             <a:pPr lvl="1"/>
             <a:endParaRPr lang="en-GB" dirty="0"/>
+          </a:p>
+          <a:p>
+            <a:r>
+              <a:rPr lang="en-GB" dirty="0"/>
+              <a:t>Early training will use Euclidean distance as the weight.</a:t>
+            </a:r>
+          </a:p>
+          <a:p>
+            <a:endParaRPr lang="en-GB" dirty="0"/>
+          </a:p>
+          <a:p>
+            <a:r>
+              <a:rPr lang="en-GB" dirty="0"/>
+              <a:t>Ground Truth will be gathered using the Concorde TSP Solver.</a:t>
+            </a:r>
           </a:p>
         </p:txBody>
       </p:sp>
     </p:spTree>
     <p:extLst>
       <p:ext uri="{BB962C8B-B14F-4D97-AF65-F5344CB8AC3E}">
-        <p14:creationId xmlns:p14="http://schemas.microsoft.com/office/powerpoint/2010/main" val="3355512425"/>
+        <p14:creationId xmlns:p14="http://schemas.microsoft.com/office/powerpoint/2010/main" val="2493996793"/>
       </p:ext>
     </p:extLst>
   </p:cSld>
@@ -3009,14 +3155,6 @@
 <file path=ppt/slides/slide9.xml><?xml version="1.0" encoding="utf-8"?>
 <p:sld xmlns:a="http://schemas.openxmlformats.org/drawingml/2006/main" xmlns:r="http://schemas.openxmlformats.org/officeDocument/2006/relationships" xmlns:p="http://schemas.openxmlformats.org/presentationml/2006/main">
   <p:cSld>
-    <p:bg>
-      <p:bgPr>
-        <a:solidFill>
-          <a:schemeClr val="bg1"/>
-        </a:solidFill>
-        <a:effectLst/>
-      </p:bgPr>
-    </p:bg>
     <p:spTree>
       <p:nvGrpSpPr>
         <p:cNvPr id="1" name=""/>
@@ -3036,7 +3174,7 @@
           <p:cNvPr id="2" name="Title 1">
             <a:extLst>
               <a:ext uri="{FF2B5EF4-FFF2-40B4-BE49-F238E27FC236}">
-                <a16:creationId xmlns:a16="http://schemas.microsoft.com/office/drawing/2014/main" id="{15D4520C-A3F8-48F8-8B02-F107F579794C}"/>
+                <a16:creationId xmlns:a16="http://schemas.microsoft.com/office/drawing/2014/main" id="{3F5DBBDC-3779-4989-9740-A201EEFB42EF}"/>
               </a:ext>
             </a:extLst>
           </p:cNvPr>
@@ -3047,64 +3185,103 @@
             <p:ph type="title"/>
           </p:nvPr>
         </p:nvSpPr>
-        <p:spPr>
-          <a:xfrm>
-            <a:off x="430924" y="365125"/>
-            <a:ext cx="11340662" cy="1325563"/>
-          </a:xfrm>
-          <a:prstGeom prst="rect">
-            <a:avLst/>
-          </a:prstGeom>
-        </p:spPr>
-        <p:txBody>
-          <a:bodyPr anchor="ctr">
-            <a:normAutofit/>
-          </a:bodyPr>
-          <a:lstStyle/>
-          <a:p>
-            <a:r>
-              <a:rPr lang="en-GB" dirty="0"/>
-              <a:t>Timeline</a:t>
-            </a:r>
-          </a:p>
-        </p:txBody>
-      </p:sp>
-      <p:pic>
-        <p:nvPicPr>
-          <p:cNvPr id="5" name="Content Placeholder 4" descr="A screenshot of a cell phone&#10;&#10;Description automatically generated">
-            <a:extLst>
-              <a:ext uri="{FF2B5EF4-FFF2-40B4-BE49-F238E27FC236}">
-                <a16:creationId xmlns:a16="http://schemas.microsoft.com/office/drawing/2014/main" id="{ADE47B41-99E6-4E5C-A53D-B15A75036599}"/>
-              </a:ext>
-            </a:extLst>
-          </p:cNvPr>
-          <p:cNvPicPr>
-            <a:picLocks noGrp="1" noChangeAspect="1"/>
-          </p:cNvPicPr>
+        <p:spPr/>
+        <p:txBody>
+          <a:bodyPr/>
+          <a:lstStyle/>
+          <a:p>
+            <a:r>
+              <a:rPr lang="en-GB" dirty="0"/>
+              <a:t>Data Collection</a:t>
+            </a:r>
+          </a:p>
+        </p:txBody>
+      </p:sp>
+      <p:sp>
+        <p:nvSpPr>
+          <p:cNvPr id="3" name="Content Placeholder 2">
+            <a:extLst>
+              <a:ext uri="{FF2B5EF4-FFF2-40B4-BE49-F238E27FC236}">
+                <a16:creationId xmlns:a16="http://schemas.microsoft.com/office/drawing/2014/main" id="{2ED81FEC-5C85-4104-8514-5D5E72477B52}"/>
+              </a:ext>
+            </a:extLst>
+          </p:cNvPr>
+          <p:cNvSpPr>
+            <a:spLocks noGrp="1"/>
+          </p:cNvSpPr>
           <p:nvPr>
             <p:ph idx="1"/>
           </p:nvPr>
-        </p:nvPicPr>
-        <p:blipFill rotWithShape="1">
-          <a:blip r:embed="rId2"/>
-          <a:srcRect l="4269" t="9975" r="4247" b="13750"/>
-          <a:stretch/>
-        </p:blipFill>
-        <p:spPr>
-          <a:xfrm>
-            <a:off x="1153349" y="1690688"/>
-            <a:ext cx="9885301" cy="3461647"/>
-          </a:xfrm>
-          <a:prstGeom prst="rect">
-            <a:avLst/>
-          </a:prstGeom>
-          <a:noFill/>
-        </p:spPr>
-      </p:pic>
+        </p:nvSpPr>
+        <p:spPr/>
+        <p:txBody>
+          <a:bodyPr/>
+          <a:lstStyle/>
+          <a:p>
+            <a:r>
+              <a:rPr lang="en-GB" dirty="0"/>
+              <a:t>Data scraped from </a:t>
+            </a:r>
+            <a:r>
+              <a:rPr lang="en-GB" dirty="0">
+                <a:hlinkClick r:id="rId2"/>
+              </a:rPr>
+              <a:t>https://www.pubsgalore.co.uk/</a:t>
+            </a:r>
+            <a:r>
+              <a:rPr lang="en-GB" dirty="0"/>
+              <a:t>.</a:t>
+            </a:r>
+          </a:p>
+          <a:p>
+            <a:r>
+              <a:rPr lang="en-GB" dirty="0"/>
+              <a:t>Up-to-date list of pubs within the UK.</a:t>
+            </a:r>
+          </a:p>
+          <a:p>
+            <a:r>
+              <a:rPr lang="en-GB" dirty="0"/>
+              <a:t>Contains attributes such as:</a:t>
+            </a:r>
+          </a:p>
+          <a:p>
+            <a:pPr lvl="1"/>
+            <a:r>
+              <a:rPr lang="en-GB" dirty="0"/>
+              <a:t>Name</a:t>
+            </a:r>
+          </a:p>
+          <a:p>
+            <a:pPr lvl="1"/>
+            <a:r>
+              <a:rPr lang="en-GB" dirty="0"/>
+              <a:t>Location coordinates</a:t>
+            </a:r>
+          </a:p>
+          <a:p>
+            <a:pPr lvl="1"/>
+            <a:r>
+              <a:rPr lang="en-GB" dirty="0"/>
+              <a:t>Address</a:t>
+            </a:r>
+          </a:p>
+          <a:p>
+            <a:r>
+              <a:rPr lang="en-GB" dirty="0"/>
+              <a:t>70,000+ pubs on this website.</a:t>
+            </a:r>
+          </a:p>
+          <a:p>
+            <a:pPr lvl="1"/>
+            <a:endParaRPr lang="en-GB" dirty="0"/>
+          </a:p>
+        </p:txBody>
+      </p:sp>
     </p:spTree>
     <p:extLst>
       <p:ext uri="{BB962C8B-B14F-4D97-AF65-F5344CB8AC3E}">
-        <p14:creationId xmlns:p14="http://schemas.microsoft.com/office/powerpoint/2010/main" val="1361515383"/>
+        <p14:creationId xmlns:p14="http://schemas.microsoft.com/office/powerpoint/2010/main" val="3355512425"/>
       </p:ext>
     </p:extLst>
   </p:cSld>
